--- a/250414010_ZakiYusronHasyimmi_Pr13.pptx
+++ b/250414010_ZakiYusronHasyimmi_Pr13.pptx
@@ -12,7 +12,8 @@
     <p:sldId id="259" r:id="rId6"/>
     <p:sldId id="262" r:id="rId7"/>
     <p:sldId id="263" r:id="rId8"/>
-    <p:sldId id="258" r:id="rId9"/>
+    <p:sldId id="264" r:id="rId9"/>
+    <p:sldId id="258" r:id="rId10"/>
   </p:sldIdLst>
   <p:sldSz cx="12192000" cy="6858000"/>
   <p:notesSz cx="6858000" cy="9144000"/>
@@ -3382,11 +3383,11 @@
               <a:t>Praktikum</a:t>
             </a:r>
             <a:r>
-              <a:rPr lang="en-ID" sz="5400"/>
+              <a:rPr lang="en-ID" sz="5400" dirty="0"/>
               <a:t> </a:t>
             </a:r>
             <a:r>
-              <a:rPr lang="en-ID" sz="5400" smtClean="0"/>
+              <a:rPr lang="en-ID" sz="5400" dirty="0" smtClean="0"/>
               <a:t>Sesi-13</a:t>
             </a:r>
             <a:endParaRPr lang="en-ID" sz="5400" dirty="0"/>
@@ -4666,6 +4667,204 @@
 </file>
 
 <file path=ppt/slides/slide8.xml><?xml version="1.0" encoding="utf-8"?>
+<p:sld xmlns:a="http://schemas.openxmlformats.org/drawingml/2006/main" xmlns:r="http://schemas.openxmlformats.org/officeDocument/2006/relationships" xmlns:p="http://schemas.openxmlformats.org/presentationml/2006/main">
+  <p:cSld>
+    <p:spTree>
+      <p:nvGrpSpPr>
+        <p:cNvPr id="1" name=""/>
+        <p:cNvGrpSpPr/>
+        <p:nvPr/>
+      </p:nvGrpSpPr>
+      <p:grpSpPr>
+        <a:xfrm>
+          <a:off x="0" y="0"/>
+          <a:ext cx="0" cy="0"/>
+          <a:chOff x="0" y="0"/>
+          <a:chExt cx="0" cy="0"/>
+        </a:xfrm>
+      </p:grpSpPr>
+      <p:sp>
+        <p:nvSpPr>
+          <p:cNvPr id="2" name="TextBox 1">
+            <a:extLst>
+              <a:ext uri="{FF2B5EF4-FFF2-40B4-BE49-F238E27FC236}">
+                <a16:creationId xmlns:a16="http://schemas.microsoft.com/office/drawing/2014/main" id="{D26287B6-F1C6-DD90-1D80-E54D2134F06F}"/>
+              </a:ext>
+            </a:extLst>
+          </p:cNvPr>
+          <p:cNvSpPr txBox="1"/>
+          <p:nvPr/>
+        </p:nvSpPr>
+        <p:spPr>
+          <a:xfrm>
+            <a:off x="626301" y="889348"/>
+            <a:ext cx="4428776" cy="369332"/>
+          </a:xfrm>
+          <a:prstGeom prst="rect">
+            <a:avLst/>
+          </a:prstGeom>
+          <a:noFill/>
+        </p:spPr>
+        <p:txBody>
+          <a:bodyPr wrap="square" rtlCol="0">
+            <a:noAutofit/>
+          </a:bodyPr>
+          <a:lstStyle/>
+          <a:p>
+            <a:r>
+              <a:rPr lang="en-ID" dirty="0" err="1"/>
+              <a:t>Algoritma</a:t>
+            </a:r>
+            <a:r>
+              <a:rPr lang="en-ID" dirty="0"/>
+              <a:t> dan </a:t>
+            </a:r>
+            <a:r>
+              <a:rPr lang="en-ID" dirty="0" err="1"/>
+              <a:t>pemrograman</a:t>
+            </a:r>
+            <a:r>
+              <a:rPr lang="en-ID" dirty="0"/>
+              <a:t> </a:t>
+            </a:r>
+            <a:r>
+              <a:rPr lang="en-ID" dirty="0" err="1"/>
+              <a:t>dengan</a:t>
+            </a:r>
+            <a:r>
+              <a:rPr lang="en-ID" dirty="0"/>
+              <a:t> </a:t>
+            </a:r>
+            <a:r>
+              <a:rPr lang="en-ID" dirty="0">
+                <a:latin typeface="Bahnschrift" panose="020B0502040204020203" pitchFamily="34" charset="0"/>
+              </a:rPr>
+              <a:t>Python</a:t>
+            </a:r>
+            <a:r>
+              <a:rPr lang="en-ID" dirty="0"/>
+              <a:t>:</a:t>
+            </a:r>
+          </a:p>
+        </p:txBody>
+      </p:sp>
+      <p:sp>
+        <p:nvSpPr>
+          <p:cNvPr id="3" name="TextBox 2">
+            <a:extLst>
+              <a:ext uri="{FF2B5EF4-FFF2-40B4-BE49-F238E27FC236}">
+                <a16:creationId xmlns:a16="http://schemas.microsoft.com/office/drawing/2014/main" id="{6EE476FA-EBAB-B635-19BF-58D0F4EE1A3F}"/>
+              </a:ext>
+            </a:extLst>
+          </p:cNvPr>
+          <p:cNvSpPr txBox="1"/>
+          <p:nvPr/>
+        </p:nvSpPr>
+        <p:spPr>
+          <a:xfrm>
+            <a:off x="626301" y="3822526"/>
+            <a:ext cx="3344450" cy="369332"/>
+          </a:xfrm>
+          <a:prstGeom prst="rect">
+            <a:avLst/>
+          </a:prstGeom>
+          <a:noFill/>
+        </p:spPr>
+        <p:txBody>
+          <a:bodyPr wrap="square" rtlCol="0">
+            <a:noAutofit/>
+          </a:bodyPr>
+          <a:lstStyle/>
+          <a:p>
+            <a:r>
+              <a:rPr lang="en-ID" dirty="0" err="1"/>
+              <a:t>Tampilan</a:t>
+            </a:r>
+            <a:r>
+              <a:rPr lang="en-ID" dirty="0"/>
+              <a:t> </a:t>
+            </a:r>
+            <a:r>
+              <a:rPr lang="en-ID" dirty="0" err="1"/>
+              <a:t>jalannya</a:t>
+            </a:r>
+            <a:r>
+              <a:rPr lang="en-ID" dirty="0"/>
+              <a:t> </a:t>
+            </a:r>
+            <a:r>
+              <a:rPr lang="en-ID" dirty="0" err="1"/>
+              <a:t>pemrograman</a:t>
+            </a:r>
+            <a:r>
+              <a:rPr lang="en-ID" dirty="0"/>
+              <a:t>:</a:t>
+            </a:r>
+          </a:p>
+        </p:txBody>
+      </p:sp>
+      <p:pic>
+        <p:nvPicPr>
+          <p:cNvPr id="4" name="Picture 3"/>
+          <p:cNvPicPr>
+            <a:picLocks noChangeAspect="1"/>
+          </p:cNvPicPr>
+          <p:nvPr/>
+        </p:nvPicPr>
+        <p:blipFill>
+          <a:blip r:embed="rId2"/>
+          <a:stretch>
+            <a:fillRect/>
+          </a:stretch>
+        </p:blipFill>
+        <p:spPr>
+          <a:xfrm>
+            <a:off x="626301" y="4729226"/>
+            <a:ext cx="4420217" cy="933580"/>
+          </a:xfrm>
+          <a:prstGeom prst="rect">
+            <a:avLst/>
+          </a:prstGeom>
+        </p:spPr>
+      </p:pic>
+      <p:pic>
+        <p:nvPicPr>
+          <p:cNvPr id="6" name="Picture 5"/>
+          <p:cNvPicPr>
+            <a:picLocks noChangeAspect="1"/>
+          </p:cNvPicPr>
+          <p:nvPr/>
+        </p:nvPicPr>
+        <p:blipFill>
+          <a:blip r:embed="rId3"/>
+          <a:stretch>
+            <a:fillRect/>
+          </a:stretch>
+        </p:blipFill>
+        <p:spPr>
+          <a:xfrm>
+            <a:off x="4416957" y="1074014"/>
+            <a:ext cx="4667901" cy="2457793"/>
+          </a:xfrm>
+          <a:prstGeom prst="rect">
+            <a:avLst/>
+          </a:prstGeom>
+        </p:spPr>
+      </p:pic>
+    </p:spTree>
+    <p:extLst>
+      <p:ext uri="{BB962C8B-B14F-4D97-AF65-F5344CB8AC3E}">
+        <p14:creationId xmlns:p14="http://schemas.microsoft.com/office/powerpoint/2010/main" val="2943833893"/>
+      </p:ext>
+    </p:extLst>
+  </p:cSld>
+  <p:clrMapOvr>
+    <a:masterClrMapping/>
+  </p:clrMapOvr>
+</p:sld>
+</file>
+
+<file path=ppt/slides/slide9.xml><?xml version="1.0" encoding="utf-8"?>
 <p:sld xmlns:a="http://schemas.openxmlformats.org/drawingml/2006/main" xmlns:r="http://schemas.openxmlformats.org/officeDocument/2006/relationships" xmlns:p="http://schemas.openxmlformats.org/presentationml/2006/main">
   <p:cSld>
     <p:spTree>

--- a/250414010_ZakiYusronHasyimmi_Pr13.pptx
+++ b/250414010_ZakiYusronHasyimmi_Pr13.pptx
@@ -13,7 +13,9 @@
     <p:sldId id="262" r:id="rId7"/>
     <p:sldId id="263" r:id="rId8"/>
     <p:sldId id="264" r:id="rId9"/>
-    <p:sldId id="258" r:id="rId10"/>
+    <p:sldId id="265" r:id="rId10"/>
+    <p:sldId id="266" r:id="rId11"/>
+    <p:sldId id="258" r:id="rId12"/>
   </p:sldIdLst>
   <p:sldSz cx="12192000" cy="6858000"/>
   <p:notesSz cx="6858000" cy="9144000"/>
@@ -3478,6 +3480,234 @@
 </p:sld>
 </file>
 
+<file path=ppt/slides/slide10.xml><?xml version="1.0" encoding="utf-8"?>
+<p:sld xmlns:a="http://schemas.openxmlformats.org/drawingml/2006/main" xmlns:r="http://schemas.openxmlformats.org/officeDocument/2006/relationships" xmlns:p="http://schemas.openxmlformats.org/presentationml/2006/main">
+  <p:cSld>
+    <p:spTree>
+      <p:nvGrpSpPr>
+        <p:cNvPr id="1" name=""/>
+        <p:cNvGrpSpPr/>
+        <p:nvPr/>
+      </p:nvGrpSpPr>
+      <p:grpSpPr>
+        <a:xfrm>
+          <a:off x="0" y="0"/>
+          <a:ext cx="0" cy="0"/>
+          <a:chOff x="0" y="0"/>
+          <a:chExt cx="0" cy="0"/>
+        </a:xfrm>
+      </p:grpSpPr>
+      <p:sp>
+        <p:nvSpPr>
+          <p:cNvPr id="2" name="TextBox 1">
+            <a:extLst>
+              <a:ext uri="{FF2B5EF4-FFF2-40B4-BE49-F238E27FC236}">
+                <a16:creationId xmlns:a16="http://schemas.microsoft.com/office/drawing/2014/main" id="{D26287B6-F1C6-DD90-1D80-E54D2134F06F}"/>
+              </a:ext>
+            </a:extLst>
+          </p:cNvPr>
+          <p:cNvSpPr txBox="1"/>
+          <p:nvPr/>
+        </p:nvSpPr>
+        <p:spPr>
+          <a:xfrm>
+            <a:off x="626301" y="889348"/>
+            <a:ext cx="4428776" cy="369332"/>
+          </a:xfrm>
+          <a:prstGeom prst="rect">
+            <a:avLst/>
+          </a:prstGeom>
+          <a:noFill/>
+        </p:spPr>
+        <p:txBody>
+          <a:bodyPr wrap="square" rtlCol="0">
+            <a:noAutofit/>
+          </a:bodyPr>
+          <a:lstStyle/>
+          <a:p>
+            <a:r>
+              <a:rPr lang="en-ID" dirty="0" err="1"/>
+              <a:t>Algoritma</a:t>
+            </a:r>
+            <a:r>
+              <a:rPr lang="en-ID" dirty="0"/>
+              <a:t> dan </a:t>
+            </a:r>
+            <a:r>
+              <a:rPr lang="en-ID" dirty="0" err="1"/>
+              <a:t>pemrograman</a:t>
+            </a:r>
+            <a:r>
+              <a:rPr lang="en-ID" dirty="0"/>
+              <a:t> </a:t>
+            </a:r>
+            <a:r>
+              <a:rPr lang="en-ID" dirty="0" err="1"/>
+              <a:t>dengan</a:t>
+            </a:r>
+            <a:r>
+              <a:rPr lang="en-ID" dirty="0"/>
+              <a:t> </a:t>
+            </a:r>
+            <a:r>
+              <a:rPr lang="en-ID" dirty="0">
+                <a:latin typeface="Bahnschrift" panose="020B0502040204020203" pitchFamily="34" charset="0"/>
+              </a:rPr>
+              <a:t>Python</a:t>
+            </a:r>
+            <a:r>
+              <a:rPr lang="en-ID" dirty="0"/>
+              <a:t>:</a:t>
+            </a:r>
+          </a:p>
+        </p:txBody>
+      </p:sp>
+      <p:sp>
+        <p:nvSpPr>
+          <p:cNvPr id="3" name="TextBox 2">
+            <a:extLst>
+              <a:ext uri="{FF2B5EF4-FFF2-40B4-BE49-F238E27FC236}">
+                <a16:creationId xmlns:a16="http://schemas.microsoft.com/office/drawing/2014/main" id="{6EE476FA-EBAB-B635-19BF-58D0F4EE1A3F}"/>
+              </a:ext>
+            </a:extLst>
+          </p:cNvPr>
+          <p:cNvSpPr txBox="1"/>
+          <p:nvPr/>
+        </p:nvSpPr>
+        <p:spPr>
+          <a:xfrm>
+            <a:off x="626301" y="3822526"/>
+            <a:ext cx="3344450" cy="369332"/>
+          </a:xfrm>
+          <a:prstGeom prst="rect">
+            <a:avLst/>
+          </a:prstGeom>
+          <a:noFill/>
+        </p:spPr>
+        <p:txBody>
+          <a:bodyPr wrap="square" rtlCol="0">
+            <a:noAutofit/>
+          </a:bodyPr>
+          <a:lstStyle/>
+          <a:p>
+            <a:r>
+              <a:rPr lang="en-ID" dirty="0" err="1"/>
+              <a:t>Tampilan</a:t>
+            </a:r>
+            <a:r>
+              <a:rPr lang="en-ID" dirty="0"/>
+              <a:t> </a:t>
+            </a:r>
+            <a:r>
+              <a:rPr lang="en-ID" dirty="0" err="1"/>
+              <a:t>jalannya</a:t>
+            </a:r>
+            <a:r>
+              <a:rPr lang="en-ID" dirty="0"/>
+              <a:t> </a:t>
+            </a:r>
+            <a:r>
+              <a:rPr lang="en-ID" dirty="0" err="1"/>
+              <a:t>pemrograman</a:t>
+            </a:r>
+            <a:r>
+              <a:rPr lang="en-ID" dirty="0"/>
+              <a:t>:</a:t>
+            </a:r>
+          </a:p>
+        </p:txBody>
+      </p:sp>
+      <p:pic>
+        <p:nvPicPr>
+          <p:cNvPr id="4" name="Picture 3"/>
+          <p:cNvPicPr>
+            <a:picLocks noChangeAspect="1"/>
+          </p:cNvPicPr>
+          <p:nvPr/>
+        </p:nvPicPr>
+        <p:blipFill>
+          <a:blip r:embed="rId2"/>
+          <a:stretch>
+            <a:fillRect/>
+          </a:stretch>
+        </p:blipFill>
+        <p:spPr>
+          <a:xfrm>
+            <a:off x="4290612" y="1005261"/>
+            <a:ext cx="4628914" cy="2817266"/>
+          </a:xfrm>
+          <a:prstGeom prst="rect">
+            <a:avLst/>
+          </a:prstGeom>
+        </p:spPr>
+      </p:pic>
+      <p:pic>
+        <p:nvPicPr>
+          <p:cNvPr id="6" name="Picture 5"/>
+          <p:cNvPicPr>
+            <a:picLocks noChangeAspect="1"/>
+          </p:cNvPicPr>
+          <p:nvPr/>
+        </p:nvPicPr>
+        <p:blipFill>
+          <a:blip r:embed="rId3"/>
+          <a:stretch>
+            <a:fillRect/>
+          </a:stretch>
+        </p:blipFill>
+        <p:spPr>
+          <a:xfrm>
+            <a:off x="626301" y="4379519"/>
+            <a:ext cx="5268060" cy="1086002"/>
+          </a:xfrm>
+          <a:prstGeom prst="rect">
+            <a:avLst/>
+          </a:prstGeom>
+        </p:spPr>
+      </p:pic>
+    </p:spTree>
+    <p:extLst>
+      <p:ext uri="{BB962C8B-B14F-4D97-AF65-F5344CB8AC3E}">
+        <p14:creationId xmlns:p14="http://schemas.microsoft.com/office/powerpoint/2010/main" val="3817147207"/>
+      </p:ext>
+    </p:extLst>
+  </p:cSld>
+  <p:clrMapOvr>
+    <a:masterClrMapping/>
+  </p:clrMapOvr>
+</p:sld>
+</file>
+
+<file path=ppt/slides/slide11.xml><?xml version="1.0" encoding="utf-8"?>
+<p:sld xmlns:a="http://schemas.openxmlformats.org/drawingml/2006/main" xmlns:r="http://schemas.openxmlformats.org/officeDocument/2006/relationships" xmlns:p="http://schemas.openxmlformats.org/presentationml/2006/main">
+  <p:cSld>
+    <p:spTree>
+      <p:nvGrpSpPr>
+        <p:cNvPr id="1" name=""/>
+        <p:cNvGrpSpPr/>
+        <p:nvPr/>
+      </p:nvGrpSpPr>
+      <p:grpSpPr>
+        <a:xfrm>
+          <a:off x="0" y="0"/>
+          <a:ext cx="0" cy="0"/>
+          <a:chOff x="0" y="0"/>
+          <a:chExt cx="0" cy="0"/>
+        </a:xfrm>
+      </p:grpSpPr>
+    </p:spTree>
+    <p:extLst>
+      <p:ext uri="{BB962C8B-B14F-4D97-AF65-F5344CB8AC3E}">
+        <p14:creationId xmlns:p14="http://schemas.microsoft.com/office/powerpoint/2010/main" val="3096641524"/>
+      </p:ext>
+    </p:extLst>
+  </p:cSld>
+  <p:clrMapOvr>
+    <a:masterClrMapping/>
+  </p:clrMapOvr>
+</p:sld>
+</file>
+
 <file path=ppt/slides/slide2.xml><?xml version="1.0" encoding="utf-8"?>
 <p:sld xmlns:a="http://schemas.openxmlformats.org/drawingml/2006/main" xmlns:r="http://schemas.openxmlformats.org/officeDocument/2006/relationships" xmlns:p="http://schemas.openxmlformats.org/presentationml/2006/main">
   <p:cSld>
@@ -4881,10 +5111,178 @@
           <a:chExt cx="0" cy="0"/>
         </a:xfrm>
       </p:grpSpPr>
+      <p:sp>
+        <p:nvSpPr>
+          <p:cNvPr id="2" name="TextBox 1">
+            <a:extLst>
+              <a:ext uri="{FF2B5EF4-FFF2-40B4-BE49-F238E27FC236}">
+                <a16:creationId xmlns:a16="http://schemas.microsoft.com/office/drawing/2014/main" id="{D26287B6-F1C6-DD90-1D80-E54D2134F06F}"/>
+              </a:ext>
+            </a:extLst>
+          </p:cNvPr>
+          <p:cNvSpPr txBox="1"/>
+          <p:nvPr/>
+        </p:nvSpPr>
+        <p:spPr>
+          <a:xfrm>
+            <a:off x="626301" y="889348"/>
+            <a:ext cx="4428776" cy="369332"/>
+          </a:xfrm>
+          <a:prstGeom prst="rect">
+            <a:avLst/>
+          </a:prstGeom>
+          <a:noFill/>
+        </p:spPr>
+        <p:txBody>
+          <a:bodyPr wrap="square" rtlCol="0">
+            <a:noAutofit/>
+          </a:bodyPr>
+          <a:lstStyle/>
+          <a:p>
+            <a:r>
+              <a:rPr lang="en-ID" dirty="0" err="1"/>
+              <a:t>Algoritma</a:t>
+            </a:r>
+            <a:r>
+              <a:rPr lang="en-ID" dirty="0"/>
+              <a:t> dan </a:t>
+            </a:r>
+            <a:r>
+              <a:rPr lang="en-ID" dirty="0" err="1"/>
+              <a:t>pemrograman</a:t>
+            </a:r>
+            <a:r>
+              <a:rPr lang="en-ID" dirty="0"/>
+              <a:t> </a:t>
+            </a:r>
+            <a:r>
+              <a:rPr lang="en-ID" dirty="0" err="1"/>
+              <a:t>dengan</a:t>
+            </a:r>
+            <a:r>
+              <a:rPr lang="en-ID" dirty="0"/>
+              <a:t> </a:t>
+            </a:r>
+            <a:r>
+              <a:rPr lang="en-ID" dirty="0">
+                <a:latin typeface="Bahnschrift" panose="020B0502040204020203" pitchFamily="34" charset="0"/>
+              </a:rPr>
+              <a:t>Python</a:t>
+            </a:r>
+            <a:r>
+              <a:rPr lang="en-ID" dirty="0"/>
+              <a:t>:</a:t>
+            </a:r>
+          </a:p>
+        </p:txBody>
+      </p:sp>
+      <p:sp>
+        <p:nvSpPr>
+          <p:cNvPr id="3" name="TextBox 2">
+            <a:extLst>
+              <a:ext uri="{FF2B5EF4-FFF2-40B4-BE49-F238E27FC236}">
+                <a16:creationId xmlns:a16="http://schemas.microsoft.com/office/drawing/2014/main" id="{6EE476FA-EBAB-B635-19BF-58D0F4EE1A3F}"/>
+              </a:ext>
+            </a:extLst>
+          </p:cNvPr>
+          <p:cNvSpPr txBox="1"/>
+          <p:nvPr/>
+        </p:nvSpPr>
+        <p:spPr>
+          <a:xfrm>
+            <a:off x="626301" y="3822526"/>
+            <a:ext cx="3344450" cy="369332"/>
+          </a:xfrm>
+          <a:prstGeom prst="rect">
+            <a:avLst/>
+          </a:prstGeom>
+          <a:noFill/>
+        </p:spPr>
+        <p:txBody>
+          <a:bodyPr wrap="square" rtlCol="0">
+            <a:noAutofit/>
+          </a:bodyPr>
+          <a:lstStyle/>
+          <a:p>
+            <a:r>
+              <a:rPr lang="en-ID" dirty="0" err="1"/>
+              <a:t>Tampilan</a:t>
+            </a:r>
+            <a:r>
+              <a:rPr lang="en-ID" dirty="0"/>
+              <a:t> </a:t>
+            </a:r>
+            <a:r>
+              <a:rPr lang="en-ID" dirty="0" err="1"/>
+              <a:t>jalannya</a:t>
+            </a:r>
+            <a:r>
+              <a:rPr lang="en-ID" dirty="0"/>
+              <a:t> </a:t>
+            </a:r>
+            <a:r>
+              <a:rPr lang="en-ID" dirty="0" err="1"/>
+              <a:t>pemrograman</a:t>
+            </a:r>
+            <a:r>
+              <a:rPr lang="en-ID" dirty="0"/>
+              <a:t>:</a:t>
+            </a:r>
+          </a:p>
+        </p:txBody>
+      </p:sp>
+      <p:pic>
+        <p:nvPicPr>
+          <p:cNvPr id="5" name="Picture 4"/>
+          <p:cNvPicPr>
+            <a:picLocks noChangeAspect="1"/>
+          </p:cNvPicPr>
+          <p:nvPr/>
+        </p:nvPicPr>
+        <p:blipFill>
+          <a:blip r:embed="rId2"/>
+          <a:stretch>
+            <a:fillRect/>
+          </a:stretch>
+        </p:blipFill>
+        <p:spPr>
+          <a:xfrm>
+            <a:off x="4289887" y="1258680"/>
+            <a:ext cx="4983558" cy="2317640"/>
+          </a:xfrm>
+          <a:prstGeom prst="rect">
+            <a:avLst/>
+          </a:prstGeom>
+        </p:spPr>
+      </p:pic>
+      <p:pic>
+        <p:nvPicPr>
+          <p:cNvPr id="7" name="Picture 6"/>
+          <p:cNvPicPr>
+            <a:picLocks noChangeAspect="1"/>
+          </p:cNvPicPr>
+          <p:nvPr/>
+        </p:nvPicPr>
+        <p:blipFill>
+          <a:blip r:embed="rId3"/>
+          <a:stretch>
+            <a:fillRect/>
+          </a:stretch>
+        </p:blipFill>
+        <p:spPr>
+          <a:xfrm>
+            <a:off x="626301" y="4191858"/>
+            <a:ext cx="4945554" cy="1759546"/>
+          </a:xfrm>
+          <a:prstGeom prst="rect">
+            <a:avLst/>
+          </a:prstGeom>
+        </p:spPr>
+      </p:pic>
     </p:spTree>
     <p:extLst>
       <p:ext uri="{BB962C8B-B14F-4D97-AF65-F5344CB8AC3E}">
-        <p14:creationId xmlns:p14="http://schemas.microsoft.com/office/powerpoint/2010/main" val="3096641524"/>
+        <p14:creationId xmlns:p14="http://schemas.microsoft.com/office/powerpoint/2010/main" val="2134484053"/>
       </p:ext>
     </p:extLst>
   </p:cSld>
